--- a/repo/20230105.pptx
+++ b/repo/20230105.pptx
@@ -5,7 +5,7 @@
     <p:sldMasterId id="2147483648" r:id="rId1"/>
   </p:sldMasterIdLst>
   <p:notesMasterIdLst>
-    <p:notesMasterId r:id="rId16"/>
+    <p:notesMasterId r:id="rId17"/>
   </p:notesMasterIdLst>
   <p:sldIdLst>
     <p:sldId id="256" r:id="rId2"/>
@@ -19,9 +19,10 @@
     <p:sldId id="271" r:id="rId10"/>
     <p:sldId id="259" r:id="rId11"/>
     <p:sldId id="262" r:id="rId12"/>
-    <p:sldId id="266" r:id="rId13"/>
-    <p:sldId id="264" r:id="rId14"/>
+    <p:sldId id="264" r:id="rId13"/>
+    <p:sldId id="266" r:id="rId14"/>
     <p:sldId id="265" r:id="rId15"/>
+    <p:sldId id="273" r:id="rId16"/>
   </p:sldIdLst>
   <p:sldSz cx="12192000" cy="6858000"/>
   <p:notesSz cx="6858000" cy="9144000"/>
@@ -521,34 +522,7 @@
           <a:bodyPr/>
           <a:lstStyle/>
           <a:p>
-            <a:r>
-              <a:rPr lang="zh-CN" altLang="en-US" dirty="0"/>
-              <a:t>在</a:t>
-            </a:r>
-            <a:r>
-              <a:rPr lang="en-US" altLang="zh-CN" dirty="0"/>
-              <a:t>《</a:t>
-            </a:r>
-            <a:r>
-              <a:rPr lang="zh-CN" altLang="en-US" dirty="0"/>
-              <a:t>操作系统</a:t>
-            </a:r>
-            <a:r>
-              <a:rPr lang="en-US" altLang="zh-CN" dirty="0"/>
-              <a:t>》</a:t>
-            </a:r>
-            <a:r>
-              <a:rPr lang="zh-CN" altLang="en-US" dirty="0"/>
-              <a:t>课程的实验中，要求同学们在实验框架的基础上完成一个操作系统。这个课程目前有完整的实验指导书，但它实现的</a:t>
-            </a:r>
-            <a:r>
-              <a:rPr lang="en-US" altLang="zh-CN" dirty="0"/>
-              <a:t>OS</a:t>
-            </a:r>
-            <a:r>
-              <a:rPr lang="zh-CN" altLang="en-US" dirty="0"/>
-              <a:t>功能比较基本。与之相对的，操作系统内核设计赛对支持的应用有很高的要求，一等奖的内核实现也有更多的功能和更复杂的代码结构。这个比赛不同于算法竞赛，每年的同学都可以参考去年的作品，完成多得多的功能，实现更复杂的内核。但比赛往往是只有要求，没有具体的约束和文档，大家花了很多时间各造各的轮子，各自摸石头过河。</a:t>
-            </a:r>
+            <a:endParaRPr lang="zh-CN" altLang="en-US" dirty="0"/>
           </a:p>
         </p:txBody>
       </p:sp>
@@ -4006,7 +3980,7 @@
           <a:p>
             <a:r>
               <a:rPr lang="en-US" altLang="zh-CN" dirty="0"/>
-              <a:t>2022</a:t>
+              <a:t>2023</a:t>
             </a:r>
             <a:r>
               <a:rPr lang="zh-CN" altLang="en-US" dirty="0"/>
@@ -4014,20 +3988,21 @@
             </a:r>
             <a:r>
               <a:rPr lang="en-US" altLang="zh-CN" dirty="0"/>
-              <a:t>11</a:t>
+              <a:t>1</a:t>
             </a:r>
             <a:r>
               <a:rPr lang="zh-CN" altLang="en-US" dirty="0"/>
               <a:t>月</a:t>
             </a:r>
             <a:r>
-              <a:rPr lang="en-US" altLang="zh-CN" dirty="0"/>
-              <a:t>24</a:t>
-            </a:r>
-            <a:r>
-              <a:rPr lang="zh-CN" altLang="en-US" dirty="0"/>
+              <a:rPr lang="en-US" altLang="zh-CN"/>
+              <a:t>5</a:t>
+            </a:r>
+            <a:r>
+              <a:rPr lang="zh-CN" altLang="en-US"/>
               <a:t>日</a:t>
             </a:r>
+            <a:endParaRPr lang="zh-CN" altLang="en-US" dirty="0"/>
           </a:p>
         </p:txBody>
       </p:sp>
@@ -4087,7 +4062,10 @@
               <a:t>选题目标 </a:t>
             </a:r>
             <a:r>
-              <a:rPr lang="en-US" altLang="zh-CN" dirty="0"/>
+              <a:rPr lang="en-US" altLang="zh-CN" sz="2800" b="1" dirty="0">
+                <a:latin typeface="黑体" panose="02010609060101010101" pitchFamily="49" charset="-122"/>
+                <a:ea typeface="黑体" panose="02010609060101010101" pitchFamily="49" charset="-122"/>
+              </a:rPr>
               <a:t>——</a:t>
             </a:r>
             <a:r>
@@ -4142,7 +4120,7 @@
           <a:p>
             <a:r>
               <a:rPr lang="zh-CN" altLang="en-US" dirty="0"/>
-              <a:t>我将维护代码内的行级文档，并通过 </a:t>
+              <a:t>我将维护代码内的功能文档、行级文档和测试，并通过 </a:t>
             </a:r>
             <a:r>
               <a:rPr lang="en-US" altLang="zh-CN" dirty="0"/>
@@ -4268,7 +4246,10 @@
               <a:t>选题目标 </a:t>
             </a:r>
             <a:r>
-              <a:rPr lang="en-US" altLang="zh-CN" dirty="0"/>
+              <a:rPr lang="en-US" altLang="zh-CN" sz="2800" b="1" dirty="0">
+                <a:latin typeface="黑体" panose="02010609060101010101" pitchFamily="49" charset="-122"/>
+                <a:ea typeface="黑体" panose="02010609060101010101" pitchFamily="49" charset="-122"/>
+              </a:rPr>
               <a:t>——</a:t>
             </a:r>
             <a:r>
@@ -4416,7 +4397,7 @@
           <p:cNvPr id="2" name="标题 1">
             <a:extLst>
               <a:ext uri="{FF2B5EF4-FFF2-40B4-BE49-F238E27FC236}">
-                <a16:creationId xmlns:a16="http://schemas.microsoft.com/office/drawing/2014/main" id="{88D51BE4-413F-429C-A997-B2A4611BC67B}"/>
+                <a16:creationId xmlns:a16="http://schemas.microsoft.com/office/drawing/2014/main" id="{EA7CBB02-7B46-477E-8B4D-3B48DAA6DE09}"/>
               </a:ext>
             </a:extLst>
           </p:cNvPr>
@@ -4437,7 +4418,10 @@
               <a:t>选题目标 </a:t>
             </a:r>
             <a:r>
-              <a:rPr lang="en-US" altLang="zh-CN" dirty="0"/>
+              <a:rPr lang="en-US" altLang="zh-CN" sz="2800" b="1" dirty="0">
+                <a:latin typeface="黑体" panose="02010609060101010101" pitchFamily="49" charset="-122"/>
+                <a:ea typeface="黑体" panose="02010609060101010101" pitchFamily="49" charset="-122"/>
+              </a:rPr>
               <a:t>——</a:t>
             </a:r>
             <a:r>
@@ -4445,9 +4429,22 @@
                 <a:latin typeface="黑体" panose="02010609060101010101" pitchFamily="49" charset="-122"/>
                 <a:ea typeface="黑体" panose="02010609060101010101" pitchFamily="49" charset="-122"/>
               </a:rPr>
-              <a:t>完善文档</a:t>
-            </a:r>
-            <a:endParaRPr lang="zh-CN" altLang="en-US" dirty="0"/>
+              <a:t>抽象 </a:t>
+            </a:r>
+            <a:r>
+              <a:rPr lang="en-US" altLang="zh-CN" sz="2800" b="1" dirty="0">
+                <a:latin typeface="黑体" panose="02010609060101010101" pitchFamily="49" charset="-122"/>
+                <a:ea typeface="黑体" panose="02010609060101010101" pitchFamily="49" charset="-122"/>
+              </a:rPr>
+              <a:t>schema </a:t>
+            </a:r>
+            <a:r>
+              <a:rPr lang="zh-CN" altLang="en-US" sz="2800" b="1" dirty="0">
+                <a:latin typeface="黑体" panose="02010609060101010101" pitchFamily="49" charset="-122"/>
+                <a:ea typeface="黑体" panose="02010609060101010101" pitchFamily="49" charset="-122"/>
+              </a:rPr>
+              <a:t>模块</a:t>
+            </a:r>
           </a:p>
         </p:txBody>
       </p:sp>
@@ -4456,7 +4453,7 @@
           <p:cNvPr id="3" name="内容占位符 2">
             <a:extLst>
               <a:ext uri="{FF2B5EF4-FFF2-40B4-BE49-F238E27FC236}">
-                <a16:creationId xmlns:a16="http://schemas.microsoft.com/office/drawing/2014/main" id="{04614F36-8108-45E7-B1AA-7DA14C0B3229}"/>
+                <a16:creationId xmlns:a16="http://schemas.microsoft.com/office/drawing/2014/main" id="{CE5674C7-46F6-43FA-B78F-CCA7671B99F7}"/>
               </a:ext>
             </a:extLst>
           </p:cNvPr>
@@ -4467,128 +4464,18 @@
             <p:ph idx="1"/>
           </p:nvPr>
         </p:nvSpPr>
-        <p:spPr>
-          <a:xfrm>
-            <a:off x="330199" y="1690688"/>
-            <a:ext cx="11697678" cy="4991466"/>
-          </a:xfrm>
-        </p:spPr>
-        <p:txBody>
-          <a:bodyPr>
-            <a:normAutofit/>
-          </a:bodyPr>
-          <a:lstStyle/>
-          <a:p>
-            <a:r>
-              <a:rPr lang="zh-CN" altLang="en-US" dirty="0"/>
-              <a:t>文档、合作、通用是我设计</a:t>
-            </a:r>
+        <p:spPr/>
+        <p:txBody>
+          <a:bodyPr/>
+          <a:lstStyle/>
+          <a:p>
             <a:r>
               <a:rPr lang="en-US" altLang="zh-CN" dirty="0"/>
-              <a:t>Maturin</a:t>
-            </a:r>
-            <a:r>
-              <a:rPr lang="zh-CN" altLang="en-US" dirty="0"/>
-              <a:t>的初衷，也是特性之一</a:t>
-            </a:r>
-            <a:endParaRPr lang="en-US" altLang="zh-CN" dirty="0"/>
-          </a:p>
-          <a:p>
-            <a:endParaRPr lang="en-US" altLang="zh-CN" dirty="0"/>
-          </a:p>
-          <a:p>
-            <a:r>
-              <a:rPr lang="zh-CN" altLang="en-US" dirty="0"/>
-              <a:t>项目的 </a:t>
-            </a:r>
-            <a:r>
-              <a:rPr lang="en-US" altLang="zh-CN" dirty="0"/>
-              <a:t>cargo doc </a:t>
-            </a:r>
-            <a:r>
-              <a:rPr lang="zh-CN" altLang="en-US" dirty="0"/>
-              <a:t>文档已部署在网页</a:t>
-            </a:r>
-            <a:endParaRPr lang="en-US" altLang="zh-CN" dirty="0"/>
-          </a:p>
-          <a:p>
-            <a:r>
-              <a:rPr lang="en-US" altLang="zh-CN" dirty="0"/>
-              <a:t>Maturin</a:t>
-            </a:r>
-            <a:r>
-              <a:rPr lang="zh-CN" altLang="en-US" dirty="0"/>
-              <a:t>的信号模块已应用在另外两个</a:t>
-            </a:r>
-            <a:r>
-              <a:rPr lang="en-US" altLang="zh-CN" dirty="0"/>
-              <a:t>OS</a:t>
-            </a:r>
-            <a:r>
-              <a:rPr lang="zh-CN" altLang="en-US" dirty="0"/>
-              <a:t>中</a:t>
-            </a:r>
-            <a:endParaRPr lang="en-US" altLang="zh-CN" dirty="0"/>
-          </a:p>
-          <a:p>
-            <a:r>
-              <a:rPr lang="zh-CN" altLang="en-US" dirty="0"/>
-              <a:t>项目开发中已有其他许多同学参与</a:t>
-            </a:r>
-            <a:endParaRPr lang="en-US" altLang="zh-CN" dirty="0"/>
-          </a:p>
-          <a:p>
-            <a:pPr lvl="1"/>
-            <a:r>
-              <a:rPr lang="zh-CN" altLang="en-US" dirty="0"/>
-              <a:t>陈乐、萧洛源参与设计了</a:t>
-            </a:r>
-            <a:r>
-              <a:rPr lang="en-US" altLang="zh-CN" dirty="0"/>
-              <a:t>socket</a:t>
-            </a:r>
-            <a:r>
-              <a:rPr lang="zh-CN" altLang="en-US" dirty="0"/>
-              <a:t>和文件系统的部分接口，使内核支持</a:t>
+              <a:t>Linux </a:t>
             </a:r>
             <a:r>
               <a:rPr lang="en-US" altLang="zh-CN" dirty="0" err="1"/>
-              <a:t>gcc</a:t>
-            </a:r>
-            <a:r>
-              <a:rPr lang="en-US" altLang="zh-CN" dirty="0"/>
-              <a:t> / </a:t>
-            </a:r>
-            <a:r>
-              <a:rPr lang="en-US" altLang="zh-CN" dirty="0" err="1"/>
-              <a:t>redis</a:t>
-            </a:r>
-            <a:endParaRPr lang="en-US" altLang="zh-CN" dirty="0"/>
-          </a:p>
-          <a:p>
-            <a:pPr lvl="1"/>
-            <a:r>
-              <a:rPr lang="zh-CN" altLang="en-US" dirty="0"/>
-              <a:t>杨德睿修正了接口和代码风格，保证内核全局</a:t>
-            </a:r>
-            <a:r>
-              <a:rPr lang="en-US" altLang="zh-CN" dirty="0"/>
-              <a:t>deny(warnings)</a:t>
-            </a:r>
-          </a:p>
-          <a:p>
-            <a:pPr lvl="1"/>
-            <a:r>
-              <a:rPr lang="zh-CN" altLang="en-US" dirty="0"/>
-              <a:t>孙迅把对</a:t>
-            </a:r>
-            <a:r>
-              <a:rPr lang="en-US" altLang="zh-CN" dirty="0"/>
-              <a:t> poll / </a:t>
-            </a:r>
-            <a:r>
-              <a:rPr lang="en-US" altLang="zh-CN" dirty="0" err="1"/>
-              <a:t>epoll</a:t>
+              <a:t>syscall</a:t>
             </a:r>
             <a:r>
               <a:rPr lang="en-US" altLang="zh-CN" dirty="0"/>
@@ -4596,50 +4483,33 @@
             </a:r>
             <a:r>
               <a:rPr lang="zh-CN" altLang="en-US" dirty="0"/>
-              <a:t>等一些拥有独立数据结构的</a:t>
-            </a:r>
-            <a:r>
-              <a:rPr lang="en-US" altLang="zh-CN" dirty="0" err="1"/>
-              <a:t>syscall</a:t>
+              <a:t>包含繁杂标志位和常量</a:t>
+            </a:r>
+            <a:endParaRPr lang="en-US" altLang="zh-CN" dirty="0"/>
+          </a:p>
+          <a:p>
+            <a:r>
+              <a:rPr lang="zh-CN" altLang="en-US" b="1" dirty="0"/>
+              <a:t>对于比赛要求的测例程序</a:t>
             </a:r>
             <a:r>
               <a:rPr lang="zh-CN" altLang="en-US" dirty="0"/>
-              <a:t>抽象成外部模块</a:t>
+              <a:t>，有些需要处理，有些可以忽略，还有一些包含特殊语义和约定。</a:t>
             </a:r>
             <a:endParaRPr lang="en-US" altLang="zh-CN" dirty="0"/>
           </a:p>
           <a:p>
-            <a:pPr lvl="1"/>
             <a:r>
               <a:rPr lang="zh-CN" altLang="en-US" dirty="0"/>
-              <a:t>杨金博的自动测试脚本为内核提供了线上</a:t>
-            </a:r>
-            <a:r>
-              <a:rPr lang="en-US" altLang="zh-CN" dirty="0"/>
-              <a:t>CI</a:t>
-            </a:r>
-          </a:p>
-          <a:p>
-            <a:r>
-              <a:rPr lang="zh-CN" altLang="en-US" dirty="0"/>
-              <a:t>所以，我认为持续维护并改进 </a:t>
-            </a:r>
-            <a:r>
-              <a:rPr lang="en-US" altLang="zh-CN" dirty="0"/>
-              <a:t>Maturin </a:t>
-            </a:r>
-            <a:r>
-              <a:rPr lang="zh-CN" altLang="en-US" dirty="0"/>
-              <a:t>是必要的</a:t>
-            </a:r>
-            <a:endParaRPr lang="en-US" altLang="zh-CN" dirty="0"/>
+              <a:t>我希望能抽出需要实现的参数子集和与其相关的中文说明、测试，以免后续同学踩坑</a:t>
+            </a:r>
           </a:p>
         </p:txBody>
       </p:sp>
     </p:spTree>
     <p:extLst>
       <p:ext uri="{BB962C8B-B14F-4D97-AF65-F5344CB8AC3E}">
-        <p14:creationId xmlns:p14="http://schemas.microsoft.com/office/powerpoint/2010/main" val="4227797405"/>
+        <p14:creationId xmlns:p14="http://schemas.microsoft.com/office/powerpoint/2010/main" val="1832710290"/>
       </p:ext>
     </p:extLst>
   </p:cSld>
@@ -4671,7 +4541,7 @@
           <p:cNvPr id="2" name="标题 1">
             <a:extLst>
               <a:ext uri="{FF2B5EF4-FFF2-40B4-BE49-F238E27FC236}">
-                <a16:creationId xmlns:a16="http://schemas.microsoft.com/office/drawing/2014/main" id="{EA7CBB02-7B46-477E-8B4D-3B48DAA6DE09}"/>
+                <a16:creationId xmlns:a16="http://schemas.microsoft.com/office/drawing/2014/main" id="{88D51BE4-413F-429C-A997-B2A4611BC67B}"/>
               </a:ext>
             </a:extLst>
           </p:cNvPr>
@@ -4692,20 +4562,18 @@
               <a:t>选题目标 </a:t>
             </a:r>
             <a:r>
-              <a:rPr lang="en-US" altLang="zh-CN" dirty="0"/>
-              <a:t>– </a:t>
-            </a:r>
-            <a:r>
-              <a:rPr lang="zh-CN" altLang="en-US" dirty="0"/>
-              <a:t>抽象 </a:t>
-            </a:r>
-            <a:r>
-              <a:rPr lang="en-US" altLang="zh-CN" dirty="0"/>
-              <a:t>schema </a:t>
-            </a:r>
-            <a:r>
-              <a:rPr lang="zh-CN" altLang="en-US" dirty="0"/>
-              <a:t>模块</a:t>
+              <a:rPr lang="en-US" altLang="zh-CN" sz="2800" b="1" dirty="0">
+                <a:latin typeface="黑体" panose="02010609060101010101" pitchFamily="49" charset="-122"/>
+                <a:ea typeface="黑体" panose="02010609060101010101" pitchFamily="49" charset="-122"/>
+              </a:rPr>
+              <a:t>——</a:t>
+            </a:r>
+            <a:r>
+              <a:rPr lang="zh-CN" altLang="en-US" sz="2800" b="1" dirty="0">
+                <a:latin typeface="黑体" panose="02010609060101010101" pitchFamily="49" charset="-122"/>
+                <a:ea typeface="黑体" panose="02010609060101010101" pitchFamily="49" charset="-122"/>
+              </a:rPr>
+              <a:t>目前进度</a:t>
             </a:r>
           </a:p>
         </p:txBody>
@@ -4715,7 +4583,7 @@
           <p:cNvPr id="3" name="内容占位符 2">
             <a:extLst>
               <a:ext uri="{FF2B5EF4-FFF2-40B4-BE49-F238E27FC236}">
-                <a16:creationId xmlns:a16="http://schemas.microsoft.com/office/drawing/2014/main" id="{CE5674C7-46F6-43FA-B78F-CCA7671B99F7}"/>
+                <a16:creationId xmlns:a16="http://schemas.microsoft.com/office/drawing/2014/main" id="{04614F36-8108-45E7-B1AA-7DA14C0B3229}"/>
               </a:ext>
             </a:extLst>
           </p:cNvPr>
@@ -4726,52 +4594,179 @@
             <p:ph idx="1"/>
           </p:nvPr>
         </p:nvSpPr>
-        <p:spPr/>
-        <p:txBody>
-          <a:bodyPr/>
-          <a:lstStyle/>
-          <a:p>
+        <p:spPr>
+          <a:xfrm>
+            <a:off x="330199" y="1690688"/>
+            <a:ext cx="11697678" cy="4991466"/>
+          </a:xfrm>
+        </p:spPr>
+        <p:txBody>
+          <a:bodyPr>
+            <a:normAutofit/>
+          </a:bodyPr>
+          <a:lstStyle/>
+          <a:p>
+            <a:r>
+              <a:rPr lang="zh-CN" altLang="en-US" dirty="0"/>
+              <a:t>文档、合作、通用是我设计</a:t>
+            </a:r>
             <a:r>
               <a:rPr lang="en-US" altLang="zh-CN" dirty="0"/>
-              <a:t>Linux </a:t>
+              <a:t>Maturin</a:t>
+            </a:r>
+            <a:r>
+              <a:rPr lang="zh-CN" altLang="en-US" dirty="0"/>
+              <a:t>的初衷，也是特性之一</a:t>
+            </a:r>
+            <a:endParaRPr lang="en-US" altLang="zh-CN" dirty="0"/>
+          </a:p>
+          <a:p>
+            <a:endParaRPr lang="en-US" altLang="zh-CN" dirty="0"/>
+          </a:p>
+          <a:p>
+            <a:r>
+              <a:rPr lang="en-US" altLang="zh-CN" dirty="0"/>
+              <a:t>Maturin</a:t>
+            </a:r>
+            <a:r>
+              <a:rPr lang="zh-CN" altLang="en-US" dirty="0"/>
+              <a:t>的信号模块已应用在另外两个</a:t>
+            </a:r>
+            <a:r>
+              <a:rPr lang="en-US" altLang="zh-CN" dirty="0"/>
+              <a:t>OS</a:t>
+            </a:r>
+            <a:r>
+              <a:rPr lang="zh-CN" altLang="en-US" dirty="0"/>
+              <a:t>中</a:t>
+            </a:r>
+            <a:endParaRPr lang="en-US" altLang="zh-CN" dirty="0"/>
+          </a:p>
+          <a:p>
+            <a:r>
+              <a:rPr lang="zh-CN" altLang="en-US" dirty="0"/>
+              <a:t>项目的 </a:t>
+            </a:r>
+            <a:r>
+              <a:rPr lang="en-US" altLang="zh-CN" dirty="0"/>
+              <a:t>cargo doc </a:t>
+            </a:r>
+            <a:r>
+              <a:rPr lang="zh-CN" altLang="en-US" dirty="0"/>
+              <a:t>文档已部署在网页</a:t>
+            </a:r>
+            <a:endParaRPr lang="en-US" altLang="zh-CN" dirty="0"/>
+          </a:p>
+          <a:p>
+            <a:r>
+              <a:rPr lang="zh-CN" altLang="en-US" dirty="0"/>
+              <a:t>项目开发中已有其他许多同学参与</a:t>
+            </a:r>
+            <a:endParaRPr lang="en-US" altLang="zh-CN" dirty="0"/>
+          </a:p>
+          <a:p>
+            <a:pPr lvl="1"/>
+            <a:r>
+              <a:rPr lang="zh-CN" altLang="en-US" dirty="0"/>
+              <a:t>陈乐、萧洛源参与设计了</a:t>
+            </a:r>
+            <a:r>
+              <a:rPr lang="en-US" altLang="zh-CN" dirty="0"/>
+              <a:t>socket</a:t>
+            </a:r>
+            <a:r>
+              <a:rPr lang="zh-CN" altLang="en-US" dirty="0"/>
+              <a:t>和文件系统的部分接口，使内核支持</a:t>
+            </a:r>
+            <a:r>
+              <a:rPr lang="en-US" altLang="zh-CN" dirty="0" err="1"/>
+              <a:t>gcc</a:t>
+            </a:r>
+            <a:r>
+              <a:rPr lang="en-US" altLang="zh-CN" dirty="0"/>
+              <a:t> / </a:t>
+            </a:r>
+            <a:r>
+              <a:rPr lang="en-US" altLang="zh-CN" dirty="0" err="1"/>
+              <a:t>redis</a:t>
+            </a:r>
+            <a:endParaRPr lang="en-US" altLang="zh-CN" dirty="0"/>
+          </a:p>
+          <a:p>
+            <a:pPr lvl="1"/>
+            <a:r>
+              <a:rPr lang="zh-CN" altLang="en-US" dirty="0"/>
+              <a:t>杨德睿修正了接口和代码风格，保证内核全局</a:t>
+            </a:r>
+            <a:r>
+              <a:rPr lang="en-US" altLang="zh-CN" dirty="0"/>
+              <a:t>deny(warnings)</a:t>
+            </a:r>
+          </a:p>
+          <a:p>
+            <a:pPr lvl="1"/>
+            <a:r>
+              <a:rPr lang="zh-CN" altLang="en-US" dirty="0"/>
+              <a:t>孙迅把对</a:t>
+            </a:r>
+            <a:r>
+              <a:rPr lang="en-US" altLang="zh-CN" dirty="0"/>
+              <a:t> poll / </a:t>
+            </a:r>
+            <a:r>
+              <a:rPr lang="en-US" altLang="zh-CN" dirty="0" err="1"/>
+              <a:t>epoll</a:t>
+            </a:r>
+            <a:r>
+              <a:rPr lang="en-US" altLang="zh-CN" dirty="0"/>
+              <a:t> </a:t>
+            </a:r>
+            <a:r>
+              <a:rPr lang="zh-CN" altLang="en-US" dirty="0"/>
+              <a:t>等一些拥有独立数据结构的</a:t>
             </a:r>
             <a:r>
               <a:rPr lang="en-US" altLang="zh-CN" dirty="0" err="1"/>
               <a:t>syscall</a:t>
             </a:r>
             <a:r>
+              <a:rPr lang="zh-CN" altLang="en-US" dirty="0"/>
+              <a:t>抽象成外部模块</a:t>
+            </a:r>
+            <a:endParaRPr lang="en-US" altLang="zh-CN" dirty="0"/>
+          </a:p>
+          <a:p>
+            <a:pPr lvl="1"/>
+            <a:r>
+              <a:rPr lang="zh-CN" altLang="en-US" dirty="0"/>
+              <a:t>杨金博的自动测试脚本为内核提供了线上</a:t>
+            </a:r>
+            <a:r>
               <a:rPr lang="en-US" altLang="zh-CN" dirty="0"/>
-              <a:t> </a:t>
-            </a:r>
+              <a:t>CI</a:t>
+            </a:r>
+          </a:p>
+          <a:p>
             <a:r>
               <a:rPr lang="zh-CN" altLang="en-US" dirty="0"/>
-              <a:t>包含繁杂标志位和常量</a:t>
+              <a:t>所以，我认为持续维护并改进 </a:t>
+            </a:r>
+            <a:r>
+              <a:rPr lang="en-US" altLang="zh-CN" dirty="0"/>
+              <a:t>Maturin </a:t>
+            </a:r>
+            <a:r>
+              <a:rPr lang="zh-CN" altLang="en-US" dirty="0"/>
+              <a:t>是必要的</a:t>
             </a:r>
             <a:endParaRPr lang="en-US" altLang="zh-CN" dirty="0"/>
-          </a:p>
-          <a:p>
-            <a:r>
-              <a:rPr lang="zh-CN" altLang="en-US" b="1" dirty="0"/>
-              <a:t>对于比赛要求的测例程序</a:t>
-            </a:r>
-            <a:r>
-              <a:rPr lang="zh-CN" altLang="en-US" dirty="0"/>
-              <a:t>，有些需要处理，有些可以忽略，还有一些包含特殊语义和约定。</a:t>
-            </a:r>
-            <a:endParaRPr lang="en-US" altLang="zh-CN" dirty="0"/>
-          </a:p>
-          <a:p>
-            <a:r>
-              <a:rPr lang="zh-CN" altLang="en-US" dirty="0"/>
-              <a:t>我希望能抽出需要实现的参数子集和与其相关的中文说明、测试，以免后续同学踩坑</a:t>
-            </a:r>
           </a:p>
         </p:txBody>
       </p:sp>
     </p:spTree>
     <p:extLst>
       <p:ext uri="{BB962C8B-B14F-4D97-AF65-F5344CB8AC3E}">
-        <p14:creationId xmlns:p14="http://schemas.microsoft.com/office/powerpoint/2010/main" val="1832710290"/>
+        <p14:creationId xmlns:p14="http://schemas.microsoft.com/office/powerpoint/2010/main" val="4227797405"/>
       </p:ext>
     </p:extLst>
   </p:cSld>
@@ -5014,6 +5009,91 @@
 </p:sld>
 </file>
 
+<file path=ppt/slides/slide15.xml><?xml version="1.0" encoding="utf-8"?>
+<p:sld xmlns:a="http://schemas.openxmlformats.org/drawingml/2006/main" xmlns:r="http://schemas.openxmlformats.org/officeDocument/2006/relationships" xmlns:p="http://schemas.openxmlformats.org/presentationml/2006/main">
+  <p:cSld>
+    <p:spTree>
+      <p:nvGrpSpPr>
+        <p:cNvPr id="1" name=""/>
+        <p:cNvGrpSpPr/>
+        <p:nvPr/>
+      </p:nvGrpSpPr>
+      <p:grpSpPr>
+        <a:xfrm>
+          <a:off x="0" y="0"/>
+          <a:ext cx="0" cy="0"/>
+          <a:chOff x="0" y="0"/>
+          <a:chExt cx="0" cy="0"/>
+        </a:xfrm>
+      </p:grpSpPr>
+      <p:sp>
+        <p:nvSpPr>
+          <p:cNvPr id="3" name="标题 1">
+            <a:extLst>
+              <a:ext uri="{FF2B5EF4-FFF2-40B4-BE49-F238E27FC236}">
+                <a16:creationId xmlns:a16="http://schemas.microsoft.com/office/drawing/2014/main" id="{5313A692-1F4F-45D8-99E4-E7C8482C3C5D}"/>
+              </a:ext>
+            </a:extLst>
+          </p:cNvPr>
+          <p:cNvSpPr txBox="1">
+            <a:spLocks/>
+          </p:cNvSpPr>
+          <p:nvPr/>
+        </p:nvSpPr>
+        <p:spPr>
+          <a:xfrm>
+            <a:off x="838200" y="2527300"/>
+            <a:ext cx="10515600" cy="1325563"/>
+          </a:xfrm>
+          <a:prstGeom prst="rect">
+            <a:avLst/>
+          </a:prstGeom>
+        </p:spPr>
+        <p:txBody>
+          <a:bodyPr vert="horz" lIns="91440" tIns="45720" rIns="91440" bIns="45720" rtlCol="0" anchor="ctr">
+            <a:normAutofit/>
+          </a:bodyPr>
+          <a:lstStyle>
+            <a:lvl1pPr algn="l" defTabSz="914400" rtl="0" eaLnBrk="1" latinLnBrk="0" hangingPunct="1">
+              <a:lnSpc>
+                <a:spcPct val="90000"/>
+              </a:lnSpc>
+              <a:spcBef>
+                <a:spcPct val="0"/>
+              </a:spcBef>
+              <a:buNone/>
+              <a:defRPr sz="4400" kern="1200">
+                <a:solidFill>
+                  <a:schemeClr val="tx1"/>
+                </a:solidFill>
+                <a:latin typeface="+mj-lt"/>
+                <a:ea typeface="+mj-ea"/>
+                <a:cs typeface="+mj-cs"/>
+              </a:defRPr>
+            </a:lvl1pPr>
+          </a:lstStyle>
+          <a:p>
+            <a:pPr algn="ctr"/>
+            <a:r>
+              <a:rPr lang="zh-CN" altLang="en-US" sz="8000" dirty="0"/>
+              <a:t>谢谢！</a:t>
+            </a:r>
+          </a:p>
+        </p:txBody>
+      </p:sp>
+    </p:spTree>
+    <p:extLst>
+      <p:ext uri="{BB962C8B-B14F-4D97-AF65-F5344CB8AC3E}">
+        <p14:creationId xmlns:p14="http://schemas.microsoft.com/office/powerpoint/2010/main" val="4092197441"/>
+      </p:ext>
+    </p:extLst>
+  </p:cSld>
+  <p:clrMapOvr>
+    <a:masterClrMapping/>
+  </p:clrMapOvr>
+</p:sld>
+</file>
+
 <file path=ppt/slides/slide2.xml><?xml version="1.0" encoding="utf-8"?>
 <p:sld xmlns:a="http://schemas.openxmlformats.org/drawingml/2006/main" xmlns:r="http://schemas.openxmlformats.org/officeDocument/2006/relationships" xmlns:p="http://schemas.openxmlformats.org/presentationml/2006/main">
   <p:cSld>
@@ -5106,7 +5186,7 @@
             </a:r>
             <a:r>
               <a:rPr lang="zh-CN" altLang="en-US" dirty="0"/>
-              <a:t>月，我与尤予阳同学参加全过操作系统设计赛，设计并实现了</a:t>
+              <a:t>月，我与尤予阳同学参加全国操作系统设计赛，设计并实现了</a:t>
             </a:r>
             <a:r>
               <a:rPr lang="en-US" altLang="zh-CN" dirty="0"/>
@@ -5303,7 +5383,7 @@
           <a:p>
             <a:r>
               <a:rPr lang="zh-CN" altLang="en-US" dirty="0"/>
-              <a:t>选题出发点</a:t>
+              <a:t>选题出发点 </a:t>
             </a:r>
             <a:r>
               <a:rPr lang="en-US" altLang="zh-CN" sz="2800" b="1" dirty="0">
@@ -6360,7 +6440,7 @@
           <a:p>
             <a:r>
               <a:rPr lang="zh-CN" altLang="en-US" dirty="0"/>
-              <a:t>选题出发点</a:t>
+              <a:t>选题出发点 </a:t>
             </a:r>
             <a:r>
               <a:rPr lang="en-US" altLang="zh-CN" sz="2800" b="1" dirty="0">
@@ -7682,7 +7762,7 @@
           <a:p>
             <a:r>
               <a:rPr lang="zh-CN" altLang="en-US" dirty="0"/>
-              <a:t>选题目标</a:t>
+              <a:t>选题目标 </a:t>
             </a:r>
             <a:r>
               <a:rPr lang="en-US" altLang="zh-CN" dirty="0"/>
@@ -7739,9 +7819,12 @@
             </a:r>
             <a:r>
               <a:rPr lang="zh-CN" altLang="en-US" dirty="0"/>
-              <a:t>，如内存管理、页表、调度器、文件抽象等，并做好文档和测试</a:t>
-            </a:r>
-            <a:endParaRPr lang="en-US" altLang="zh-CN" dirty="0"/>
+              <a:t>，如内存管理、页表、调度器、文件抽象等，并做好文档和测试，发布至 </a:t>
+            </a:r>
+            <a:r>
+              <a:rPr lang="en-US" altLang="zh-CN" dirty="0"/>
+              <a:t>crates.io</a:t>
+            </a:r>
           </a:p>
           <a:p>
             <a:r>
@@ -7760,29 +7843,6 @@
               <a:rPr lang="en-US" altLang="zh-CN" dirty="0"/>
               <a:t>OS</a:t>
             </a:r>
-          </a:p>
-          <a:p>
-            <a:r>
-              <a:rPr lang="zh-CN" altLang="en-US" dirty="0"/>
-              <a:t>抽象服务于比赛要求的</a:t>
-            </a:r>
-            <a:r>
-              <a:rPr lang="en-US" altLang="zh-CN" dirty="0"/>
-              <a:t>Linux </a:t>
-            </a:r>
-            <a:r>
-              <a:rPr lang="en-US" altLang="zh-CN" dirty="0" err="1"/>
-              <a:t>syscall</a:t>
-            </a:r>
-            <a:r>
-              <a:rPr lang="en-US" altLang="zh-CN" dirty="0"/>
-              <a:t> schema</a:t>
-            </a:r>
-            <a:r>
-              <a:rPr lang="zh-CN" altLang="en-US" dirty="0"/>
-              <a:t>模块</a:t>
-            </a:r>
-            <a:endParaRPr lang="en-US" altLang="zh-CN" dirty="0"/>
           </a:p>
         </p:txBody>
       </p:sp>
@@ -7839,7 +7899,7 @@
           <a:p>
             <a:r>
               <a:rPr lang="zh-CN" altLang="en-US" dirty="0"/>
-              <a:t>选题目标</a:t>
+              <a:t>选题目标 </a:t>
             </a:r>
             <a:r>
               <a:rPr lang="en-US" altLang="zh-CN" dirty="0"/>
@@ -8285,7 +8345,7 @@
           <a:p>
             <a:r>
               <a:rPr lang="zh-CN" altLang="en-US" dirty="0"/>
-              <a:t>选题目标</a:t>
+              <a:t>选题目标 </a:t>
             </a:r>
             <a:r>
               <a:rPr lang="en-US" altLang="zh-CN" dirty="0"/>
@@ -8745,10 +8805,13 @@
           <a:p>
             <a:r>
               <a:rPr lang="zh-CN" altLang="en-US" dirty="0"/>
-              <a:t>选题目标</a:t>
-            </a:r>
-            <a:r>
-              <a:rPr lang="en-US" altLang="zh-CN" dirty="0"/>
+              <a:t>选题目标 </a:t>
+            </a:r>
+            <a:r>
+              <a:rPr lang="en-US" altLang="zh-CN" sz="2800" b="1" dirty="0">
+                <a:latin typeface="黑体" panose="02010609060101010101" pitchFamily="49" charset="-122"/>
+                <a:ea typeface="黑体" panose="02010609060101010101" pitchFamily="49" charset="-122"/>
+              </a:rPr>
               <a:t>——</a:t>
             </a:r>
             <a:r>
